--- a/documents/Đồ án Website Laravel.pptx
+++ b/documents/Đồ án Website Laravel.pptx
@@ -14,9 +14,12 @@
     <p:sldId id="263" r:id="rId8"/>
     <p:sldId id="264" r:id="rId9"/>
     <p:sldId id="267" r:id="rId10"/>
-    <p:sldId id="268" r:id="rId11"/>
-    <p:sldId id="269" r:id="rId12"/>
-    <p:sldId id="270" r:id="rId13"/>
+    <p:sldId id="271" r:id="rId11"/>
+    <p:sldId id="273" r:id="rId12"/>
+    <p:sldId id="272" r:id="rId13"/>
+    <p:sldId id="268" r:id="rId14"/>
+    <p:sldId id="269" r:id="rId15"/>
+    <p:sldId id="270" r:id="rId16"/>
   </p:sldIdLst>
   <p:sldSz cx="12192000" cy="6858000"/>
   <p:notesSz cx="6858000" cy="9144000"/>
@@ -115,6 +118,11 @@
       </a:defRPr>
     </a:lvl9pPr>
   </p:defaultTextStyle>
+  <p:extLst>
+    <p:ext uri="{EFAFB233-063F-42B5-8137-9DF3F51BA10A}">
+      <p15:sldGuideLst xmlns:p15="http://schemas.microsoft.com/office/powerpoint/2012/main"/>
+    </p:ext>
+  </p:extLst>
 </p:presentation>
 </file>
 
@@ -327,7 +335,7 @@
           <a:p>
             <a:fld id="{C485584D-7D79-4248-9986-4CA35242F944}" type="datetimeFigureOut">
               <a:rPr lang="en-US" smtClean="0"/>
-              <a:t>9/13/2022</a:t>
+              <a:t>9/17/2022</a:t>
             </a:fld>
             <a:endParaRPr lang="en-US"/>
           </a:p>
@@ -701,7 +709,7 @@
           <a:p>
             <a:fld id="{C485584D-7D79-4248-9986-4CA35242F944}" type="datetimeFigureOut">
               <a:rPr lang="en-US" smtClean="0"/>
-              <a:t>9/13/2022</a:t>
+              <a:t>9/17/2022</a:t>
             </a:fld>
             <a:endParaRPr lang="en-US"/>
           </a:p>
@@ -911,7 +919,7 @@
           <a:p>
             <a:fld id="{C485584D-7D79-4248-9986-4CA35242F944}" type="datetimeFigureOut">
               <a:rPr lang="en-US" smtClean="0"/>
-              <a:t>9/13/2022</a:t>
+              <a:t>9/17/2022</a:t>
             </a:fld>
             <a:endParaRPr lang="en-US"/>
           </a:p>
@@ -1110,7 +1118,7 @@
           <a:p>
             <a:fld id="{C485584D-7D79-4248-9986-4CA35242F944}" type="datetimeFigureOut">
               <a:rPr lang="en-US" smtClean="0"/>
-              <a:t>9/13/2022</a:t>
+              <a:t>9/17/2022</a:t>
             </a:fld>
             <a:endParaRPr lang="en-US"/>
           </a:p>
@@ -1223,7 +1231,7 @@
           <a:p>
             <a:fld id="{C485584D-7D79-4248-9986-4CA35242F944}" type="datetimeFigureOut">
               <a:rPr lang="en-US" smtClean="0"/>
-              <a:t>9/13/2022</a:t>
+              <a:t>9/17/2022</a:t>
             </a:fld>
             <a:endParaRPr lang="en-US"/>
           </a:p>
@@ -1959,7 +1967,7 @@
           <a:p>
             <a:fld id="{C485584D-7D79-4248-9986-4CA35242F944}" type="datetimeFigureOut">
               <a:rPr lang="en-US" smtClean="0"/>
-              <a:t>9/13/2022</a:t>
+              <a:t>9/17/2022</a:t>
             </a:fld>
             <a:endParaRPr lang="en-US"/>
           </a:p>
@@ -2375,7 +2383,7 @@
           <a:p>
             <a:fld id="{C485584D-7D79-4248-9986-4CA35242F944}" type="datetimeFigureOut">
               <a:rPr lang="en-US" smtClean="0"/>
-              <a:t>9/13/2022</a:t>
+              <a:t>9/17/2022</a:t>
             </a:fld>
             <a:endParaRPr lang="en-US"/>
           </a:p>
@@ -2516,7 +2524,7 @@
           <a:p>
             <a:fld id="{C485584D-7D79-4248-9986-4CA35242F944}" type="datetimeFigureOut">
               <a:rPr lang="en-US" smtClean="0"/>
-              <a:t>9/13/2022</a:t>
+              <a:t>9/17/2022</a:t>
             </a:fld>
             <a:endParaRPr lang="en-US"/>
           </a:p>
@@ -2629,7 +2637,7 @@
           <a:p>
             <a:fld id="{C485584D-7D79-4248-9986-4CA35242F944}" type="datetimeFigureOut">
               <a:rPr lang="en-US" smtClean="0"/>
-              <a:t>9/13/2022</a:t>
+              <a:t>9/17/2022</a:t>
             </a:fld>
             <a:endParaRPr lang="en-US"/>
           </a:p>
@@ -2942,7 +2950,7 @@
           <a:p>
             <a:fld id="{C485584D-7D79-4248-9986-4CA35242F944}" type="datetimeFigureOut">
               <a:rPr lang="en-US" smtClean="0"/>
-              <a:t>9/13/2022</a:t>
+              <a:t>9/17/2022</a:t>
             </a:fld>
             <a:endParaRPr lang="en-US"/>
           </a:p>
@@ -3234,7 +3242,7 @@
           <a:p>
             <a:fld id="{C485584D-7D79-4248-9986-4CA35242F944}" type="datetimeFigureOut">
               <a:rPr lang="en-US" smtClean="0"/>
-              <a:t>9/13/2022</a:t>
+              <a:t>9/17/2022</a:t>
             </a:fld>
             <a:endParaRPr lang="en-US"/>
           </a:p>
@@ -3518,7 +3526,7 @@
           <a:p>
             <a:fld id="{C485584D-7D79-4248-9986-4CA35242F944}" type="datetimeFigureOut">
               <a:rPr lang="en-US" smtClean="0"/>
-              <a:t>9/13/2022</a:t>
+              <a:t>9/17/2022</a:t>
             </a:fld>
             <a:endParaRPr lang="en-US"/>
           </a:p>
@@ -4816,13 +4824,13 @@
   <p:clrMapOvr>
     <a:masterClrMapping/>
   </p:clrMapOvr>
-  <mc:AlternateContent xmlns:mc="http://schemas.openxmlformats.org/markup-compatibility/2006">
-    <mc:Choice xmlns:p14="http://schemas.microsoft.com/office/powerpoint/2010/main" Requires="p14">
+  <mc:AlternateContent xmlns:mc="http://schemas.openxmlformats.org/markup-compatibility/2006" xmlns:p14="http://schemas.microsoft.com/office/powerpoint/2010/main">
+    <mc:Choice Requires="p14">
       <p:transition spd="slow" p14:dur="1500">
         <p:split orient="vert"/>
       </p:transition>
     </mc:Choice>
-    <mc:Fallback>
+    <mc:Fallback xmlns="">
       <p:transition spd="slow">
         <p:split orient="vert"/>
       </p:transition>
@@ -4848,6 +4856,330 @@
           <a:chExt cx="0" cy="0"/>
         </a:xfrm>
       </p:grpSpPr>
+      <p:pic>
+        <p:nvPicPr>
+          <p:cNvPr id="3" name="Picture 2" descr="A screenshot of a computer&#10;&#10;Description automatically generated with low confidence">
+            <a:extLst>
+              <a:ext uri="{FF2B5EF4-FFF2-40B4-BE49-F238E27FC236}">
+                <a16:creationId xmlns:a16="http://schemas.microsoft.com/office/drawing/2014/main" id="{A7275540-BF64-47E7-622F-B6F348232461}"/>
+              </a:ext>
+            </a:extLst>
+          </p:cNvPr>
+          <p:cNvPicPr>
+            <a:picLocks noChangeAspect="1"/>
+          </p:cNvPicPr>
+          <p:nvPr/>
+        </p:nvPicPr>
+        <p:blipFill>
+          <a:blip r:embed="rId2">
+            <a:extLst>
+              <a:ext uri="{28A0092B-C50C-407E-A947-70E740481C1C}">
+                <a14:useLocalDpi xmlns:a14="http://schemas.microsoft.com/office/drawing/2010/main" val="0"/>
+              </a:ext>
+            </a:extLst>
+          </a:blip>
+          <a:stretch>
+            <a:fillRect/>
+          </a:stretch>
+        </p:blipFill>
+        <p:spPr>
+          <a:xfrm>
+            <a:off x="395550" y="158210"/>
+            <a:ext cx="11400900" cy="6254264"/>
+          </a:xfrm>
+          <a:prstGeom prst="rect">
+            <a:avLst/>
+          </a:prstGeom>
+        </p:spPr>
+      </p:pic>
+      <p:sp>
+        <p:nvSpPr>
+          <p:cNvPr id="4" name="TextBox 3">
+            <a:extLst>
+              <a:ext uri="{FF2B5EF4-FFF2-40B4-BE49-F238E27FC236}">
+                <a16:creationId xmlns:a16="http://schemas.microsoft.com/office/drawing/2014/main" id="{770C1B31-0D96-6AE7-E098-AB3D9501BFB3}"/>
+              </a:ext>
+            </a:extLst>
+          </p:cNvPr>
+          <p:cNvSpPr txBox="1"/>
+          <p:nvPr/>
+        </p:nvSpPr>
+        <p:spPr>
+          <a:xfrm>
+            <a:off x="9055281" y="445526"/>
+            <a:ext cx="2894512" cy="369332"/>
+          </a:xfrm>
+          <a:prstGeom prst="rect">
+            <a:avLst/>
+          </a:prstGeom>
+          <a:noFill/>
+        </p:spPr>
+        <p:txBody>
+          <a:bodyPr wrap="square" rtlCol="0">
+            <a:spAutoFit/>
+          </a:bodyPr>
+          <a:lstStyle/>
+          <a:p>
+            <a:pPr algn="ctr"/>
+            <a:r>
+              <a:rPr lang="vi-VN" dirty="0">
+                <a:latin typeface="Times New Roman" panose="02020603050405020304" pitchFamily="18" charset="0"/>
+                <a:cs typeface="Times New Roman" panose="02020603050405020304" pitchFamily="18" charset="0"/>
+              </a:rPr>
+              <a:t>Phòng ban – Vị trí</a:t>
+            </a:r>
+          </a:p>
+        </p:txBody>
+      </p:sp>
+    </p:spTree>
+    <p:extLst>
+      <p:ext uri="{BB962C8B-B14F-4D97-AF65-F5344CB8AC3E}">
+        <p14:creationId xmlns:p14="http://schemas.microsoft.com/office/powerpoint/2010/main" val="814348718"/>
+      </p:ext>
+    </p:extLst>
+  </p:cSld>
+  <p:clrMapOvr>
+    <a:masterClrMapping/>
+  </p:clrMapOvr>
+  <p:transition spd="slow">
+    <p:push dir="u"/>
+  </p:transition>
+</p:sld>
+</file>
+
+<file path=ppt/slides/slide11.xml><?xml version="1.0" encoding="utf-8"?>
+<p:sld xmlns:a="http://schemas.openxmlformats.org/drawingml/2006/main" xmlns:r="http://schemas.openxmlformats.org/officeDocument/2006/relationships" xmlns:p="http://schemas.openxmlformats.org/presentationml/2006/main">
+  <p:cSld>
+    <p:spTree>
+      <p:nvGrpSpPr>
+        <p:cNvPr id="1" name=""/>
+        <p:cNvGrpSpPr/>
+        <p:nvPr/>
+      </p:nvGrpSpPr>
+      <p:grpSpPr>
+        <a:xfrm>
+          <a:off x="0" y="0"/>
+          <a:ext cx="0" cy="0"/>
+          <a:chOff x="0" y="0"/>
+          <a:chExt cx="0" cy="0"/>
+        </a:xfrm>
+      </p:grpSpPr>
+      <p:pic>
+        <p:nvPicPr>
+          <p:cNvPr id="4" name="Picture 3" descr="Diagram&#10;&#10;Description automatically generated">
+            <a:extLst>
+              <a:ext uri="{FF2B5EF4-FFF2-40B4-BE49-F238E27FC236}">
+                <a16:creationId xmlns:a16="http://schemas.microsoft.com/office/drawing/2014/main" id="{26D83610-6054-C905-7306-B6D56E9DB0BB}"/>
+              </a:ext>
+            </a:extLst>
+          </p:cNvPr>
+          <p:cNvPicPr>
+            <a:picLocks noChangeAspect="1"/>
+          </p:cNvPicPr>
+          <p:nvPr/>
+        </p:nvPicPr>
+        <p:blipFill>
+          <a:blip r:embed="rId2">
+            <a:extLst>
+              <a:ext uri="{28A0092B-C50C-407E-A947-70E740481C1C}">
+                <a14:useLocalDpi xmlns:a14="http://schemas.microsoft.com/office/drawing/2010/main" val="0"/>
+              </a:ext>
+            </a:extLst>
+          </a:blip>
+          <a:stretch>
+            <a:fillRect/>
+          </a:stretch>
+        </p:blipFill>
+        <p:spPr>
+          <a:xfrm>
+            <a:off x="1933575" y="219075"/>
+            <a:ext cx="8324850" cy="6419850"/>
+          </a:xfrm>
+          <a:prstGeom prst="rect">
+            <a:avLst/>
+          </a:prstGeom>
+        </p:spPr>
+      </p:pic>
+      <p:sp>
+        <p:nvSpPr>
+          <p:cNvPr id="5" name="TextBox 4">
+            <a:extLst>
+              <a:ext uri="{FF2B5EF4-FFF2-40B4-BE49-F238E27FC236}">
+                <a16:creationId xmlns:a16="http://schemas.microsoft.com/office/drawing/2014/main" id="{2302C4C3-2E65-8E48-DE80-1C1123D21B72}"/>
+              </a:ext>
+            </a:extLst>
+          </p:cNvPr>
+          <p:cNvSpPr txBox="1"/>
+          <p:nvPr/>
+        </p:nvSpPr>
+        <p:spPr>
+          <a:xfrm>
+            <a:off x="8558892" y="697544"/>
+            <a:ext cx="2894512" cy="369332"/>
+          </a:xfrm>
+          <a:prstGeom prst="rect">
+            <a:avLst/>
+          </a:prstGeom>
+          <a:noFill/>
+        </p:spPr>
+        <p:txBody>
+          <a:bodyPr wrap="square" rtlCol="0">
+            <a:spAutoFit/>
+          </a:bodyPr>
+          <a:lstStyle/>
+          <a:p>
+            <a:pPr algn="ctr"/>
+            <a:r>
+              <a:rPr lang="vi-VN" dirty="0">
+                <a:latin typeface="Times New Roman" panose="02020603050405020304" pitchFamily="18" charset="0"/>
+                <a:cs typeface="Times New Roman" panose="02020603050405020304" pitchFamily="18" charset="0"/>
+              </a:rPr>
+              <a:t>Bảng lương</a:t>
+            </a:r>
+          </a:p>
+        </p:txBody>
+      </p:sp>
+    </p:spTree>
+    <p:extLst>
+      <p:ext uri="{BB962C8B-B14F-4D97-AF65-F5344CB8AC3E}">
+        <p14:creationId xmlns:p14="http://schemas.microsoft.com/office/powerpoint/2010/main" val="1335902228"/>
+      </p:ext>
+    </p:extLst>
+  </p:cSld>
+  <p:clrMapOvr>
+    <a:masterClrMapping/>
+  </p:clrMapOvr>
+  <p:transition spd="slow">
+    <p:push dir="u"/>
+  </p:transition>
+</p:sld>
+</file>
+
+<file path=ppt/slides/slide12.xml><?xml version="1.0" encoding="utf-8"?>
+<p:sld xmlns:a="http://schemas.openxmlformats.org/drawingml/2006/main" xmlns:r="http://schemas.openxmlformats.org/officeDocument/2006/relationships" xmlns:p="http://schemas.openxmlformats.org/presentationml/2006/main">
+  <p:cSld>
+    <p:spTree>
+      <p:nvGrpSpPr>
+        <p:cNvPr id="1" name=""/>
+        <p:cNvGrpSpPr/>
+        <p:nvPr/>
+      </p:nvGrpSpPr>
+      <p:grpSpPr>
+        <a:xfrm>
+          <a:off x="0" y="0"/>
+          <a:ext cx="0" cy="0"/>
+          <a:chOff x="0" y="0"/>
+          <a:chExt cx="0" cy="0"/>
+        </a:xfrm>
+      </p:grpSpPr>
+      <p:pic>
+        <p:nvPicPr>
+          <p:cNvPr id="5" name="Picture 4" descr="A group of black and white chess pieces">
+            <a:extLst>
+              <a:ext uri="{FF2B5EF4-FFF2-40B4-BE49-F238E27FC236}">
+                <a16:creationId xmlns:a16="http://schemas.microsoft.com/office/drawing/2014/main" id="{32051F9C-F587-FA1F-CA85-647F53436CAD}"/>
+              </a:ext>
+            </a:extLst>
+          </p:cNvPr>
+          <p:cNvPicPr>
+            <a:picLocks noChangeAspect="1"/>
+          </p:cNvPicPr>
+          <p:nvPr/>
+        </p:nvPicPr>
+        <p:blipFill>
+          <a:blip r:embed="rId2">
+            <a:extLst>
+              <a:ext uri="{28A0092B-C50C-407E-A947-70E740481C1C}">
+                <a14:useLocalDpi xmlns:a14="http://schemas.microsoft.com/office/drawing/2010/main" val="0"/>
+              </a:ext>
+            </a:extLst>
+          </a:blip>
+          <a:stretch>
+            <a:fillRect/>
+          </a:stretch>
+        </p:blipFill>
+        <p:spPr>
+          <a:xfrm>
+            <a:off x="-182880" y="95794"/>
+            <a:ext cx="12374880" cy="6762206"/>
+          </a:xfrm>
+          <a:prstGeom prst="rect">
+            <a:avLst/>
+          </a:prstGeom>
+        </p:spPr>
+      </p:pic>
+      <p:sp>
+        <p:nvSpPr>
+          <p:cNvPr id="2" name="TextBox 1">
+            <a:extLst>
+              <a:ext uri="{FF2B5EF4-FFF2-40B4-BE49-F238E27FC236}">
+                <a16:creationId xmlns:a16="http://schemas.microsoft.com/office/drawing/2014/main" id="{8194C83B-8756-4282-1A6F-7BE1FF433936}"/>
+              </a:ext>
+            </a:extLst>
+          </p:cNvPr>
+          <p:cNvSpPr txBox="1"/>
+          <p:nvPr/>
+        </p:nvSpPr>
+        <p:spPr>
+          <a:xfrm>
+            <a:off x="8976904" y="410161"/>
+            <a:ext cx="2894512" cy="369332"/>
+          </a:xfrm>
+          <a:prstGeom prst="rect">
+            <a:avLst/>
+          </a:prstGeom>
+          <a:noFill/>
+        </p:spPr>
+        <p:txBody>
+          <a:bodyPr wrap="square" rtlCol="0">
+            <a:spAutoFit/>
+          </a:bodyPr>
+          <a:lstStyle/>
+          <a:p>
+            <a:pPr algn="ctr"/>
+            <a:r>
+              <a:rPr lang="vi-VN" dirty="0">
+                <a:latin typeface="Times New Roman" panose="02020603050405020304" pitchFamily="18" charset="0"/>
+                <a:cs typeface="Times New Roman" panose="02020603050405020304" pitchFamily="18" charset="0"/>
+              </a:rPr>
+              <a:t>Sơ đồ tổng quan</a:t>
+            </a:r>
+          </a:p>
+        </p:txBody>
+      </p:sp>
+    </p:spTree>
+    <p:extLst>
+      <p:ext uri="{BB962C8B-B14F-4D97-AF65-F5344CB8AC3E}">
+        <p14:creationId xmlns:p14="http://schemas.microsoft.com/office/powerpoint/2010/main" val="2189920774"/>
+      </p:ext>
+    </p:extLst>
+  </p:cSld>
+  <p:clrMapOvr>
+    <a:masterClrMapping/>
+  </p:clrMapOvr>
+  <p:transition spd="slow">
+    <p:push dir="u"/>
+  </p:transition>
+</p:sld>
+</file>
+
+<file path=ppt/slides/slide13.xml><?xml version="1.0" encoding="utf-8"?>
+<p:sld xmlns:a="http://schemas.openxmlformats.org/drawingml/2006/main" xmlns:r="http://schemas.openxmlformats.org/officeDocument/2006/relationships" xmlns:p="http://schemas.openxmlformats.org/presentationml/2006/main">
+  <p:cSld>
+    <p:spTree>
+      <p:nvGrpSpPr>
+        <p:cNvPr id="1" name=""/>
+        <p:cNvGrpSpPr/>
+        <p:nvPr/>
+      </p:nvGrpSpPr>
+      <p:grpSpPr>
+        <a:xfrm>
+          <a:off x="0" y="0"/>
+          <a:ext cx="0" cy="0"/>
+          <a:chOff x="0" y="0"/>
+          <a:chExt cx="0" cy="0"/>
+        </a:xfrm>
+      </p:grpSpPr>
       <p:sp>
         <p:nvSpPr>
           <p:cNvPr id="15" name="Subtitle 2">
@@ -5057,10 +5389,10 @@
       </p:sp>
       <p:pic>
         <p:nvPicPr>
-          <p:cNvPr id="2" name="Picture 1" descr="A picture containing graphical user interface&#10;&#10;Description automatically generated">
-            <a:extLst>
-              <a:ext uri="{FF2B5EF4-FFF2-40B4-BE49-F238E27FC236}">
-                <a16:creationId xmlns:a16="http://schemas.microsoft.com/office/drawing/2014/main" id="{A28A076B-D9B7-58ED-21F4-380D8A323A1F}"/>
+          <p:cNvPr id="4" name="Picture 3">
+            <a:extLst>
+              <a:ext uri="{FF2B5EF4-FFF2-40B4-BE49-F238E27FC236}">
+                <a16:creationId xmlns:a16="http://schemas.microsoft.com/office/drawing/2014/main" id="{126F0A2F-0FBF-EFD7-447F-0204674B688A}"/>
               </a:ext>
             </a:extLst>
           </p:cNvPr>
@@ -5077,8 +5409,8 @@
         </p:blipFill>
         <p:spPr>
           <a:xfrm>
-            <a:off x="1760376" y="950087"/>
-            <a:ext cx="8671248" cy="5797580"/>
+            <a:off x="1604460" y="868082"/>
+            <a:ext cx="8983080" cy="5759684"/>
           </a:xfrm>
           <a:prstGeom prst="rect">
             <a:avLst/>
@@ -5101,7 +5433,7 @@
 </p:sld>
 </file>
 
-<file path=ppt/slides/slide11.xml><?xml version="1.0" encoding="utf-8"?>
+<file path=ppt/slides/slide14.xml><?xml version="1.0" encoding="utf-8"?>
 <p:sld xmlns:a="http://schemas.openxmlformats.org/drawingml/2006/main" xmlns:r="http://schemas.openxmlformats.org/officeDocument/2006/relationships" xmlns:p="http://schemas.openxmlformats.org/presentationml/2006/main">
   <p:cSld>
     <p:spTree>
@@ -5382,7 +5714,7 @@
 </p:sld>
 </file>
 
-<file path=ppt/slides/slide12.xml><?xml version="1.0" encoding="utf-8"?>
+<file path=ppt/slides/slide15.xml><?xml version="1.0" encoding="utf-8"?>
 <p:sld xmlns:a="http://schemas.openxmlformats.org/drawingml/2006/main" xmlns:r="http://schemas.openxmlformats.org/officeDocument/2006/relationships" xmlns:p="http://schemas.openxmlformats.org/presentationml/2006/main">
   <p:cSld>
     <p:bg>
@@ -5939,13 +6271,13 @@
   <p:clrMapOvr>
     <a:masterClrMapping/>
   </p:clrMapOvr>
-  <mc:AlternateContent xmlns:mc="http://schemas.openxmlformats.org/markup-compatibility/2006">
-    <mc:Choice xmlns:p14="http://schemas.microsoft.com/office/powerpoint/2010/main" Requires="p14">
+  <mc:AlternateContent xmlns:mc="http://schemas.openxmlformats.org/markup-compatibility/2006" xmlns:p14="http://schemas.microsoft.com/office/powerpoint/2010/main">
+    <mc:Choice Requires="p14">
       <p:transition spd="slow" p14:dur="1500">
         <p:split orient="vert"/>
       </p:transition>
     </mc:Choice>
-    <mc:Fallback>
+    <mc:Fallback xmlns="">
       <p:transition spd="slow">
         <p:split orient="vert"/>
       </p:transition>
@@ -6499,13 +6831,13 @@
   <p:clrMapOvr>
     <a:masterClrMapping/>
   </p:clrMapOvr>
-  <mc:AlternateContent xmlns:mc="http://schemas.openxmlformats.org/markup-compatibility/2006">
-    <mc:Choice xmlns:p159="http://schemas.microsoft.com/office/powerpoint/2015/09/main" Requires="p159">
+  <mc:AlternateContent xmlns:mc="http://schemas.openxmlformats.org/markup-compatibility/2006" xmlns:p159="http://schemas.microsoft.com/office/powerpoint/2015/09/main">
+    <mc:Choice Requires="p159">
       <p:transition xmlns:p14="http://schemas.microsoft.com/office/powerpoint/2010/main" spd="slow" p14:dur="1500">
         <p159:morph option="byObject"/>
       </p:transition>
     </mc:Choice>
-    <mc:Fallback>
+    <mc:Fallback xmlns="">
       <p:transition spd="slow">
         <p:fade/>
       </p:transition>
@@ -7117,13 +7449,13 @@
   <p:clrMapOvr>
     <a:masterClrMapping/>
   </p:clrMapOvr>
-  <mc:AlternateContent xmlns:mc="http://schemas.openxmlformats.org/markup-compatibility/2006">
-    <mc:Choice xmlns:p159="http://schemas.microsoft.com/office/powerpoint/2015/09/main" Requires="p159">
+  <mc:AlternateContent xmlns:mc="http://schemas.openxmlformats.org/markup-compatibility/2006" xmlns:p159="http://schemas.microsoft.com/office/powerpoint/2015/09/main">
+    <mc:Choice Requires="p159">
       <p:transition xmlns:p14="http://schemas.microsoft.com/office/powerpoint/2010/main" spd="slow" p14:dur="1500">
         <p159:morph option="byObject"/>
       </p:transition>
     </mc:Choice>
-    <mc:Fallback>
+    <mc:Fallback xmlns="">
       <p:transition spd="slow">
         <p:fade/>
       </p:transition>
@@ -7956,13 +8288,13 @@
   <p:clrMapOvr>
     <a:masterClrMapping/>
   </p:clrMapOvr>
-  <mc:AlternateContent xmlns:mc="http://schemas.openxmlformats.org/markup-compatibility/2006">
-    <mc:Choice xmlns:p159="http://schemas.microsoft.com/office/powerpoint/2015/09/main" Requires="p159">
+  <mc:AlternateContent xmlns:mc="http://schemas.openxmlformats.org/markup-compatibility/2006" xmlns:p159="http://schemas.microsoft.com/office/powerpoint/2015/09/main">
+    <mc:Choice Requires="p159">
       <p:transition xmlns:p14="http://schemas.microsoft.com/office/powerpoint/2010/main" spd="slow" p14:dur="1500">
         <p159:morph option="byObject"/>
       </p:transition>
     </mc:Choice>
-    <mc:Fallback>
+    <mc:Fallback xmlns="">
       <p:transition spd="slow">
         <p:fade/>
       </p:transition>
@@ -9258,13 +9590,13 @@
   <p:clrMapOvr>
     <a:masterClrMapping/>
   </p:clrMapOvr>
-  <mc:AlternateContent xmlns:mc="http://schemas.openxmlformats.org/markup-compatibility/2006">
-    <mc:Choice xmlns:p159="http://schemas.microsoft.com/office/powerpoint/2015/09/main" Requires="p159">
+  <mc:AlternateContent xmlns:mc="http://schemas.openxmlformats.org/markup-compatibility/2006" xmlns:p159="http://schemas.microsoft.com/office/powerpoint/2015/09/main">
+    <mc:Choice Requires="p159">
       <p:transition xmlns:p14="http://schemas.microsoft.com/office/powerpoint/2010/main" spd="slow" p14:dur="2000">
         <p159:morph option="byObject"/>
       </p:transition>
     </mc:Choice>
-    <mc:Fallback>
+    <mc:Fallback xmlns="">
       <p:transition spd="slow">
         <p:fade/>
       </p:transition>
@@ -10075,13 +10407,13 @@
   <p:clrMapOvr>
     <a:masterClrMapping/>
   </p:clrMapOvr>
-  <mc:AlternateContent xmlns:mc="http://schemas.openxmlformats.org/markup-compatibility/2006">
-    <mc:Choice xmlns:p159="http://schemas.microsoft.com/office/powerpoint/2015/09/main" Requires="p159">
+  <mc:AlternateContent xmlns:mc="http://schemas.openxmlformats.org/markup-compatibility/2006" xmlns:p159="http://schemas.microsoft.com/office/powerpoint/2015/09/main">
+    <mc:Choice Requires="p159">
       <p:transition xmlns:p14="http://schemas.microsoft.com/office/powerpoint/2010/main" spd="slow" p14:dur="2000">
         <p159:morph option="byObject"/>
       </p:transition>
     </mc:Choice>
-    <mc:Fallback>
+    <mc:Fallback xmlns="">
       <p:transition spd="slow">
         <p:fade/>
       </p:transition>
@@ -10630,13 +10962,13 @@
   <p:clrMapOvr>
     <a:masterClrMapping/>
   </p:clrMapOvr>
-  <mc:AlternateContent xmlns:mc="http://schemas.openxmlformats.org/markup-compatibility/2006">
-    <mc:Choice xmlns:p159="http://schemas.microsoft.com/office/powerpoint/2015/09/main" Requires="p159">
+  <mc:AlternateContent xmlns:mc="http://schemas.openxmlformats.org/markup-compatibility/2006" xmlns:p159="http://schemas.microsoft.com/office/powerpoint/2015/09/main">
+    <mc:Choice Requires="p159">
       <p:transition xmlns:p14="http://schemas.microsoft.com/office/powerpoint/2010/main" spd="slow" p14:dur="2000">
         <p159:morph option="byObject"/>
       </p:transition>
     </mc:Choice>
-    <mc:Fallback>
+    <mc:Fallback xmlns="">
       <p:transition spd="slow">
         <p:fade/>
       </p:transition>
@@ -11107,13 +11439,13 @@
   <p:clrMapOvr>
     <a:masterClrMapping/>
   </p:clrMapOvr>
-  <mc:AlternateContent xmlns:mc="http://schemas.openxmlformats.org/markup-compatibility/2006">
-    <mc:Choice xmlns:p159="http://schemas.microsoft.com/office/powerpoint/2015/09/main" Requires="p159">
+  <mc:AlternateContent xmlns:mc="http://schemas.openxmlformats.org/markup-compatibility/2006" xmlns:p159="http://schemas.microsoft.com/office/powerpoint/2015/09/main">
+    <mc:Choice Requires="p159">
       <p:transition xmlns:p14="http://schemas.microsoft.com/office/powerpoint/2010/main" spd="slow" p14:dur="2000">
         <p159:morph option="byObject"/>
       </p:transition>
     </mc:Choice>
-    <mc:Fallback>
+    <mc:Fallback xmlns="">
       <p:transition spd="slow">
         <p:fade/>
       </p:transition>
@@ -11139,50 +11471,6 @@
           <a:chExt cx="0" cy="0"/>
         </a:xfrm>
       </p:grpSpPr>
-      <p:pic>
-        <p:nvPicPr>
-          <p:cNvPr id="9" name="Picture 8">
-            <a:extLst>
-              <a:ext uri="{FF2B5EF4-FFF2-40B4-BE49-F238E27FC236}">
-                <a16:creationId xmlns:a16="http://schemas.microsoft.com/office/drawing/2014/main" id="{62C144A7-2FD2-E839-CE93-7B5DFADFF7AA}"/>
-              </a:ext>
-            </a:extLst>
-          </p:cNvPr>
-          <p:cNvPicPr>
-            <a:picLocks noChangeAspect="1"/>
-          </p:cNvPicPr>
-          <p:nvPr/>
-        </p:nvPicPr>
-        <p:blipFill rotWithShape="1">
-          <a:blip r:embed="rId2">
-            <a:extLst>
-              <a:ext uri="{28A0092B-C50C-407E-A947-70E740481C1C}">
-                <a14:useLocalDpi xmlns:a14="http://schemas.microsoft.com/office/drawing/2010/main" val="0"/>
-              </a:ext>
-            </a:extLst>
-          </a:blip>
-          <a:srcRect l="13710" t="11908" r="10892" b="12393"/>
-          <a:stretch/>
-        </p:blipFill>
-        <p:spPr bwMode="auto">
-          <a:xfrm>
-            <a:off x="1940694" y="596670"/>
-            <a:ext cx="8310612" cy="6261330"/>
-          </a:xfrm>
-          <a:prstGeom prst="rect">
-            <a:avLst/>
-          </a:prstGeom>
-          <a:noFill/>
-          <a:ln>
-            <a:noFill/>
-          </a:ln>
-          <a:extLst>
-            <a:ext uri="{53640926-AAD7-44D8-BBD7-CCE9431645EC}">
-              <a14:shadowObscured xmlns:a14="http://schemas.microsoft.com/office/drawing/2010/main"/>
-            </a:ext>
-          </a:extLst>
-        </p:spPr>
-      </p:pic>
       <p:sp>
         <p:nvSpPr>
           <p:cNvPr id="15" name="Subtitle 2">
@@ -11593,6 +11881,81 @@
                 <a:cs typeface="Tahoma" panose="020B0604030504040204" pitchFamily="34" charset="0"/>
               </a:rPr>
               <a:t>4.1. Sơ đồ thực thể</a:t>
+            </a:r>
+          </a:p>
+        </p:txBody>
+      </p:sp>
+      <p:pic>
+        <p:nvPicPr>
+          <p:cNvPr id="4" name="Picture 3" descr="Diagram">
+            <a:extLst>
+              <a:ext uri="{FF2B5EF4-FFF2-40B4-BE49-F238E27FC236}">
+                <a16:creationId xmlns:a16="http://schemas.microsoft.com/office/drawing/2014/main" id="{FDEC084D-3E89-43DC-4964-C85B9BFFB2A7}"/>
+              </a:ext>
+            </a:extLst>
+          </p:cNvPr>
+          <p:cNvPicPr>
+            <a:picLocks noChangeAspect="1"/>
+          </p:cNvPicPr>
+          <p:nvPr/>
+        </p:nvPicPr>
+        <p:blipFill>
+          <a:blip r:embed="rId2">
+            <a:extLst>
+              <a:ext uri="{28A0092B-C50C-407E-A947-70E740481C1C}">
+                <a14:useLocalDpi xmlns:a14="http://schemas.microsoft.com/office/drawing/2010/main" val="0"/>
+              </a:ext>
+            </a:extLst>
+          </a:blip>
+          <a:stretch>
+            <a:fillRect/>
+          </a:stretch>
+        </p:blipFill>
+        <p:spPr>
+          <a:xfrm>
+            <a:off x="1800225" y="1181100"/>
+            <a:ext cx="8591550" cy="4495800"/>
+          </a:xfrm>
+          <a:prstGeom prst="rect">
+            <a:avLst/>
+          </a:prstGeom>
+        </p:spPr>
+      </p:pic>
+      <p:sp>
+        <p:nvSpPr>
+          <p:cNvPr id="6" name="TextBox 5">
+            <a:extLst>
+              <a:ext uri="{FF2B5EF4-FFF2-40B4-BE49-F238E27FC236}">
+                <a16:creationId xmlns:a16="http://schemas.microsoft.com/office/drawing/2014/main" id="{719632EA-7099-625C-93EF-262DCE163189}"/>
+              </a:ext>
+            </a:extLst>
+          </p:cNvPr>
+          <p:cNvSpPr txBox="1"/>
+          <p:nvPr/>
+        </p:nvSpPr>
+        <p:spPr>
+          <a:xfrm>
+            <a:off x="8944519" y="811768"/>
+            <a:ext cx="2894512" cy="369332"/>
+          </a:xfrm>
+          <a:prstGeom prst="rect">
+            <a:avLst/>
+          </a:prstGeom>
+          <a:noFill/>
+        </p:spPr>
+        <p:txBody>
+          <a:bodyPr wrap="square" rtlCol="0">
+            <a:spAutoFit/>
+          </a:bodyPr>
+          <a:lstStyle/>
+          <a:p>
+            <a:pPr algn="ctr"/>
+            <a:r>
+              <a:rPr lang="vi-VN" dirty="0">
+                <a:latin typeface="Times New Roman" panose="02020603050405020304" pitchFamily="18" charset="0"/>
+                <a:cs typeface="Times New Roman" panose="02020603050405020304" pitchFamily="18" charset="0"/>
+              </a:rPr>
+              <a:t>Chấm công</a:t>
             </a:r>
           </a:p>
         </p:txBody>
@@ -11710,7 +12073,7 @@
                                 </p:cTn>
                               </p:par>
                               <p:par>
-                                <p:cTn id="12" presetID="1" presetClass="entr" presetSubtype="0" fill="hold" nodeType="withEffect">
+                                <p:cTn id="12" presetID="10" presetClass="entr" presetSubtype="0" fill="hold" nodeType="withEffect">
                                   <p:stCondLst>
                                     <p:cond delay="0"/>
                                   </p:stCondLst>
@@ -11723,7 +12086,7 @@
                                           </p:stCondLst>
                                         </p:cTn>
                                         <p:tgtEl>
-                                          <p:spTgt spid="9"/>
+                                          <p:spTgt spid="4"/>
                                         </p:tgtEl>
                                         <p:attrNameLst>
                                           <p:attrName>style.visibility</p:attrName>
@@ -11733,6 +12096,49 @@
                                         <p:strVal val="visible"/>
                                       </p:to>
                                     </p:set>
+                                    <p:animEffect transition="in" filter="fade">
+                                      <p:cBhvr>
+                                        <p:cTn id="14" dur="500"/>
+                                        <p:tgtEl>
+                                          <p:spTgt spid="4"/>
+                                        </p:tgtEl>
+                                      </p:cBhvr>
+                                    </p:animEffect>
+                                  </p:childTnLst>
+                                </p:cTn>
+                              </p:par>
+                              <p:par>
+                                <p:cTn id="15" presetID="10" presetClass="entr" presetSubtype="0" fill="hold" grpId="0" nodeType="withEffect">
+                                  <p:stCondLst>
+                                    <p:cond delay="0"/>
+                                  </p:stCondLst>
+                                  <p:childTnLst>
+                                    <p:set>
+                                      <p:cBhvr>
+                                        <p:cTn id="16" dur="1" fill="hold">
+                                          <p:stCondLst>
+                                            <p:cond delay="0"/>
+                                          </p:stCondLst>
+                                        </p:cTn>
+                                        <p:tgtEl>
+                                          <p:spTgt spid="6"/>
+                                        </p:tgtEl>
+                                        <p:attrNameLst>
+                                          <p:attrName>style.visibility</p:attrName>
+                                        </p:attrNameLst>
+                                      </p:cBhvr>
+                                      <p:to>
+                                        <p:strVal val="visible"/>
+                                      </p:to>
+                                    </p:set>
+                                    <p:animEffect transition="in" filter="fade">
+                                      <p:cBhvr>
+                                        <p:cTn id="17" dur="500"/>
+                                        <p:tgtEl>
+                                          <p:spTgt spid="6"/>
+                                        </p:tgtEl>
+                                      </p:cBhvr>
+                                    </p:animEffect>
                                   </p:childTnLst>
                                 </p:cTn>
                               </p:par>
@@ -11766,6 +12172,7 @@
     <p:bldLst>
       <p:bldP spid="15" grpId="0" animBg="1"/>
       <p:bldP spid="16" grpId="0" animBg="1"/>
+      <p:bldP spid="6" grpId="0"/>
     </p:bldLst>
   </p:timing>
 </p:sld>

--- a/documents/Đồ án Website Laravel.pptx
+++ b/documents/Đồ án Website Laravel.pptx
@@ -335,7 +335,7 @@
           <a:p>
             <a:fld id="{C485584D-7D79-4248-9986-4CA35242F944}" type="datetimeFigureOut">
               <a:rPr lang="en-US" smtClean="0"/>
-              <a:t>9/17/2022</a:t>
+              <a:t>9/20/2022</a:t>
             </a:fld>
             <a:endParaRPr lang="en-US"/>
           </a:p>
@@ -709,7 +709,7 @@
           <a:p>
             <a:fld id="{C485584D-7D79-4248-9986-4CA35242F944}" type="datetimeFigureOut">
               <a:rPr lang="en-US" smtClean="0"/>
-              <a:t>9/17/2022</a:t>
+              <a:t>9/20/2022</a:t>
             </a:fld>
             <a:endParaRPr lang="en-US"/>
           </a:p>
@@ -919,7 +919,7 @@
           <a:p>
             <a:fld id="{C485584D-7D79-4248-9986-4CA35242F944}" type="datetimeFigureOut">
               <a:rPr lang="en-US" smtClean="0"/>
-              <a:t>9/17/2022</a:t>
+              <a:t>9/20/2022</a:t>
             </a:fld>
             <a:endParaRPr lang="en-US"/>
           </a:p>
@@ -1118,7 +1118,7 @@
           <a:p>
             <a:fld id="{C485584D-7D79-4248-9986-4CA35242F944}" type="datetimeFigureOut">
               <a:rPr lang="en-US" smtClean="0"/>
-              <a:t>9/17/2022</a:t>
+              <a:t>9/20/2022</a:t>
             </a:fld>
             <a:endParaRPr lang="en-US"/>
           </a:p>
@@ -1231,7 +1231,7 @@
           <a:p>
             <a:fld id="{C485584D-7D79-4248-9986-4CA35242F944}" type="datetimeFigureOut">
               <a:rPr lang="en-US" smtClean="0"/>
-              <a:t>9/17/2022</a:t>
+              <a:t>9/20/2022</a:t>
             </a:fld>
             <a:endParaRPr lang="en-US"/>
           </a:p>
@@ -1967,7 +1967,7 @@
           <a:p>
             <a:fld id="{C485584D-7D79-4248-9986-4CA35242F944}" type="datetimeFigureOut">
               <a:rPr lang="en-US" smtClean="0"/>
-              <a:t>9/17/2022</a:t>
+              <a:t>9/20/2022</a:t>
             </a:fld>
             <a:endParaRPr lang="en-US"/>
           </a:p>
@@ -2383,7 +2383,7 @@
           <a:p>
             <a:fld id="{C485584D-7D79-4248-9986-4CA35242F944}" type="datetimeFigureOut">
               <a:rPr lang="en-US" smtClean="0"/>
-              <a:t>9/17/2022</a:t>
+              <a:t>9/20/2022</a:t>
             </a:fld>
             <a:endParaRPr lang="en-US"/>
           </a:p>
@@ -2524,7 +2524,7 @@
           <a:p>
             <a:fld id="{C485584D-7D79-4248-9986-4CA35242F944}" type="datetimeFigureOut">
               <a:rPr lang="en-US" smtClean="0"/>
-              <a:t>9/17/2022</a:t>
+              <a:t>9/20/2022</a:t>
             </a:fld>
             <a:endParaRPr lang="en-US"/>
           </a:p>
@@ -2637,7 +2637,7 @@
           <a:p>
             <a:fld id="{C485584D-7D79-4248-9986-4CA35242F944}" type="datetimeFigureOut">
               <a:rPr lang="en-US" smtClean="0"/>
-              <a:t>9/17/2022</a:t>
+              <a:t>9/20/2022</a:t>
             </a:fld>
             <a:endParaRPr lang="en-US"/>
           </a:p>
@@ -2950,7 +2950,7 @@
           <a:p>
             <a:fld id="{C485584D-7D79-4248-9986-4CA35242F944}" type="datetimeFigureOut">
               <a:rPr lang="en-US" smtClean="0"/>
-              <a:t>9/17/2022</a:t>
+              <a:t>9/20/2022</a:t>
             </a:fld>
             <a:endParaRPr lang="en-US"/>
           </a:p>
@@ -3242,7 +3242,7 @@
           <a:p>
             <a:fld id="{C485584D-7D79-4248-9986-4CA35242F944}" type="datetimeFigureOut">
               <a:rPr lang="en-US" smtClean="0"/>
-              <a:t>9/17/2022</a:t>
+              <a:t>9/20/2022</a:t>
             </a:fld>
             <a:endParaRPr lang="en-US"/>
           </a:p>
@@ -3526,7 +3526,7 @@
           <a:p>
             <a:fld id="{C485584D-7D79-4248-9986-4CA35242F944}" type="datetimeFigureOut">
               <a:rPr lang="en-US" smtClean="0"/>
-              <a:t>9/17/2022</a:t>
+              <a:t>9/20/2022</a:t>
             </a:fld>
             <a:endParaRPr lang="en-US"/>
           </a:p>
@@ -5450,6 +5450,42 @@
           <a:chExt cx="0" cy="0"/>
         </a:xfrm>
       </p:grpSpPr>
+      <p:pic>
+        <p:nvPicPr>
+          <p:cNvPr id="4" name="Picture 3" descr="Diagram&#10;&#10;Description automatically generated with medium confidence">
+            <a:extLst>
+              <a:ext uri="{FF2B5EF4-FFF2-40B4-BE49-F238E27FC236}">
+                <a16:creationId xmlns:a16="http://schemas.microsoft.com/office/drawing/2014/main" id="{7269F452-776A-5421-9751-15FC861619F9}"/>
+              </a:ext>
+            </a:extLst>
+          </p:cNvPr>
+          <p:cNvPicPr>
+            <a:picLocks noChangeAspect="1"/>
+          </p:cNvPicPr>
+          <p:nvPr/>
+        </p:nvPicPr>
+        <p:blipFill>
+          <a:blip r:embed="rId2">
+            <a:extLst>
+              <a:ext uri="{28A0092B-C50C-407E-A947-70E740481C1C}">
+                <a14:useLocalDpi xmlns:a14="http://schemas.microsoft.com/office/drawing/2010/main" val="0"/>
+              </a:ext>
+            </a:extLst>
+          </a:blip>
+          <a:stretch>
+            <a:fillRect/>
+          </a:stretch>
+        </p:blipFill>
+        <p:spPr>
+          <a:xfrm>
+            <a:off x="400050" y="739993"/>
+            <a:ext cx="11420475" cy="5975131"/>
+          </a:xfrm>
+          <a:prstGeom prst="rect">
+            <a:avLst/>
+          </a:prstGeom>
+        </p:spPr>
+      </p:pic>
       <p:sp>
         <p:nvSpPr>
           <p:cNvPr id="15" name="Subtitle 2">
@@ -5657,47 +5693,6 @@
           </a:p>
         </p:txBody>
       </p:sp>
-      <p:pic>
-        <p:nvPicPr>
-          <p:cNvPr id="3" name="Picture 2">
-            <a:extLst>
-              <a:ext uri="{FF2B5EF4-FFF2-40B4-BE49-F238E27FC236}">
-                <a16:creationId xmlns:a16="http://schemas.microsoft.com/office/drawing/2014/main" id="{6E1E25F6-C683-78DC-A690-6AED10EF3051}"/>
-              </a:ext>
-            </a:extLst>
-          </p:cNvPr>
-          <p:cNvPicPr>
-            <a:picLocks noChangeAspect="1"/>
-          </p:cNvPicPr>
-          <p:nvPr/>
-        </p:nvPicPr>
-        <p:blipFill>
-          <a:blip r:embed="rId2" cstate="print">
-            <a:extLst>
-              <a:ext uri="{28A0092B-C50C-407E-A947-70E740481C1C}">
-                <a14:useLocalDpi xmlns:a14="http://schemas.microsoft.com/office/drawing/2010/main" val="0"/>
-              </a:ext>
-            </a:extLst>
-          </a:blip>
-          <a:srcRect/>
-          <a:stretch>
-            <a:fillRect/>
-          </a:stretch>
-        </p:blipFill>
-        <p:spPr bwMode="auto">
-          <a:xfrm>
-            <a:off x="681135" y="952057"/>
-            <a:ext cx="10829730" cy="5598818"/>
-          </a:xfrm>
-          <a:prstGeom prst="rect">
-            <a:avLst/>
-          </a:prstGeom>
-          <a:noFill/>
-          <a:ln>
-            <a:noFill/>
-          </a:ln>
-        </p:spPr>
-      </p:pic>
     </p:spTree>
     <p:extLst>
       <p:ext uri="{BB962C8B-B14F-4D97-AF65-F5344CB8AC3E}">
